--- a/Reliability_Readme.pptx
+++ b/Reliability_Readme.pptx
@@ -273,7 +273,7 @@
           <a:p>
             <a:fld id="{1DAAEB18-B4A9-488A-959A-6C9C91CFED9F}" type="datetimeFigureOut">
               <a:rPr lang="en-US" smtClean="0"/>
-              <a:t>11/28/2021</a:t>
+              <a:t>12/25/2021</a:t>
             </a:fld>
             <a:endParaRPr lang="en-US"/>
           </a:p>
@@ -471,7 +471,7 @@
           <a:p>
             <a:fld id="{1DAAEB18-B4A9-488A-959A-6C9C91CFED9F}" type="datetimeFigureOut">
               <a:rPr lang="en-US" smtClean="0"/>
-              <a:t>11/28/2021</a:t>
+              <a:t>12/25/2021</a:t>
             </a:fld>
             <a:endParaRPr lang="en-US"/>
           </a:p>
@@ -679,7 +679,7 @@
           <a:p>
             <a:fld id="{1DAAEB18-B4A9-488A-959A-6C9C91CFED9F}" type="datetimeFigureOut">
               <a:rPr lang="en-US" smtClean="0"/>
-              <a:t>11/28/2021</a:t>
+              <a:t>12/25/2021</a:t>
             </a:fld>
             <a:endParaRPr lang="en-US"/>
           </a:p>
@@ -877,7 +877,7 @@
           <a:p>
             <a:fld id="{1DAAEB18-B4A9-488A-959A-6C9C91CFED9F}" type="datetimeFigureOut">
               <a:rPr lang="en-US" smtClean="0"/>
-              <a:t>11/28/2021</a:t>
+              <a:t>12/25/2021</a:t>
             </a:fld>
             <a:endParaRPr lang="en-US"/>
           </a:p>
@@ -1152,7 +1152,7 @@
           <a:p>
             <a:fld id="{1DAAEB18-B4A9-488A-959A-6C9C91CFED9F}" type="datetimeFigureOut">
               <a:rPr lang="en-US" smtClean="0"/>
-              <a:t>11/28/2021</a:t>
+              <a:t>12/25/2021</a:t>
             </a:fld>
             <a:endParaRPr lang="en-US"/>
           </a:p>
@@ -1417,7 +1417,7 @@
           <a:p>
             <a:fld id="{1DAAEB18-B4A9-488A-959A-6C9C91CFED9F}" type="datetimeFigureOut">
               <a:rPr lang="en-US" smtClean="0"/>
-              <a:t>11/28/2021</a:t>
+              <a:t>12/25/2021</a:t>
             </a:fld>
             <a:endParaRPr lang="en-US"/>
           </a:p>
@@ -1829,7 +1829,7 @@
           <a:p>
             <a:fld id="{1DAAEB18-B4A9-488A-959A-6C9C91CFED9F}" type="datetimeFigureOut">
               <a:rPr lang="en-US" smtClean="0"/>
-              <a:t>11/28/2021</a:t>
+              <a:t>12/25/2021</a:t>
             </a:fld>
             <a:endParaRPr lang="en-US"/>
           </a:p>
@@ -1970,7 +1970,7 @@
           <a:p>
             <a:fld id="{1DAAEB18-B4A9-488A-959A-6C9C91CFED9F}" type="datetimeFigureOut">
               <a:rPr lang="en-US" smtClean="0"/>
-              <a:t>11/28/2021</a:t>
+              <a:t>12/25/2021</a:t>
             </a:fld>
             <a:endParaRPr lang="en-US"/>
           </a:p>
@@ -2083,7 +2083,7 @@
           <a:p>
             <a:fld id="{1DAAEB18-B4A9-488A-959A-6C9C91CFED9F}" type="datetimeFigureOut">
               <a:rPr lang="en-US" smtClean="0"/>
-              <a:t>11/28/2021</a:t>
+              <a:t>12/25/2021</a:t>
             </a:fld>
             <a:endParaRPr lang="en-US"/>
           </a:p>
@@ -2394,7 +2394,7 @@
           <a:p>
             <a:fld id="{1DAAEB18-B4A9-488A-959A-6C9C91CFED9F}" type="datetimeFigureOut">
               <a:rPr lang="en-US" smtClean="0"/>
-              <a:t>11/28/2021</a:t>
+              <a:t>12/25/2021</a:t>
             </a:fld>
             <a:endParaRPr lang="en-US"/>
           </a:p>
@@ -2682,7 +2682,7 @@
           <a:p>
             <a:fld id="{1DAAEB18-B4A9-488A-959A-6C9C91CFED9F}" type="datetimeFigureOut">
               <a:rPr lang="en-US" smtClean="0"/>
-              <a:t>11/28/2021</a:t>
+              <a:t>12/25/2021</a:t>
             </a:fld>
             <a:endParaRPr lang="en-US"/>
           </a:p>
@@ -2923,7 +2923,7 @@
           <a:p>
             <a:fld id="{1DAAEB18-B4A9-488A-959A-6C9C91CFED9F}" type="datetimeFigureOut">
               <a:rPr lang="en-US" smtClean="0"/>
-              <a:t>11/28/2021</a:t>
+              <a:t>12/25/2021</a:t>
             </a:fld>
             <a:endParaRPr lang="en-US"/>
           </a:p>
@@ -3358,12 +3358,28 @@
         </p:nvSpPr>
         <p:spPr/>
         <p:txBody>
-          <a:bodyPr/>
+          <a:bodyPr>
+            <a:normAutofit fontScale="90000"/>
+          </a:bodyPr>
           <a:lstStyle/>
           <a:p>
             <a:r>
               <a:rPr lang="en-US" dirty="0"/>
               <a:t>Reliability Engineering</a:t>
+            </a:r>
+            <a:br>
+              <a:rPr lang="en-US" dirty="0"/>
+            </a:br>
+            <a:r>
+              <a:rPr lang="en-US" dirty="0"/>
+              <a:t>By</a:t>
+            </a:r>
+            <a:br>
+              <a:rPr lang="en-US" dirty="0"/>
+            </a:br>
+            <a:r>
+              <a:rPr lang="en-US" dirty="0"/>
+              <a:t>D. Kelley</a:t>
             </a:r>
           </a:p>
         </p:txBody>
@@ -3875,7 +3891,7 @@
             </a:pPr>
             <a:r>
               <a:rPr lang="en-US" dirty="0"/>
-              <a:t>changing design parameter such that the temperature does not go as high. A way to do this could be improved cooling.</a:t>
+              <a:t>changing design parameters such that the temperature does not go as high. A way to do this could be improved cooling.</a:t>
             </a:r>
           </a:p>
           <a:p>
@@ -3893,7 +3909,7 @@
             </a:pPr>
             <a:r>
               <a:rPr lang="en-US" dirty="0"/>
-              <a:t>Perform more experiments and allow them to run until they fail. This removes censored data and possibly shows the reliability to be greater than the current calculation.</a:t>
+              <a:t>Perform more experiments and allow them to run until they fail. This removes censored data and possibly shows the reliability to be greater than the current calculations.</a:t>
             </a:r>
           </a:p>
         </p:txBody>
